--- a/go/series/1.2 Vendoring.pptx
+++ b/go/series/1.2 Vendoring.pptx
@@ -9,7 +9,9 @@
     <p:sldId id="257" r:id="rId3"/>
     <p:sldId id="259" r:id="rId4"/>
     <p:sldId id="258" r:id="rId5"/>
-    <p:sldId id="260" r:id="rId6"/>
+    <p:sldId id="261" r:id="rId6"/>
+    <p:sldId id="262" r:id="rId7"/>
+    <p:sldId id="260" r:id="rId8"/>
   </p:sldIdLst>
   <p:sldSz cx="12192000" cy="6858000"/>
   <p:notesSz cx="6858000" cy="9144000"/>
@@ -108,6 +110,11 @@
       </a:defRPr>
     </a:lvl9pPr>
   </p:defaultTextStyle>
+  <p:extLst>
+    <p:ext uri="{EFAFB233-063F-42B5-8137-9DF3F51BA10A}">
+      <p15:sldGuideLst xmlns:p15="http://schemas.microsoft.com/office/powerpoint/2012/main"/>
+    </p:ext>
+  </p:extLst>
 </p:presentation>
 </file>
 
@@ -242,7 +249,7 @@
           <a:p>
             <a:fld id="{06A342B4-5107-1440-9EBB-18D3F78A4D7E}" type="datetimeFigureOut">
               <a:rPr lang="en-US" smtClean="0"/>
-              <a:t>1/15/17</a:t>
+              <a:t>1/16/17</a:t>
             </a:fld>
             <a:endParaRPr lang="en-US"/>
           </a:p>
@@ -412,7 +419,7 @@
           <a:p>
             <a:fld id="{06A342B4-5107-1440-9EBB-18D3F78A4D7E}" type="datetimeFigureOut">
               <a:rPr lang="en-US" smtClean="0"/>
-              <a:t>1/15/17</a:t>
+              <a:t>1/16/17</a:t>
             </a:fld>
             <a:endParaRPr lang="en-US"/>
           </a:p>
@@ -592,7 +599,7 @@
           <a:p>
             <a:fld id="{06A342B4-5107-1440-9EBB-18D3F78A4D7E}" type="datetimeFigureOut">
               <a:rPr lang="en-US" smtClean="0"/>
-              <a:t>1/15/17</a:t>
+              <a:t>1/16/17</a:t>
             </a:fld>
             <a:endParaRPr lang="en-US"/>
           </a:p>
@@ -762,7 +769,7 @@
           <a:p>
             <a:fld id="{06A342B4-5107-1440-9EBB-18D3F78A4D7E}" type="datetimeFigureOut">
               <a:rPr lang="en-US" smtClean="0"/>
-              <a:t>1/15/17</a:t>
+              <a:t>1/16/17</a:t>
             </a:fld>
             <a:endParaRPr lang="en-US"/>
           </a:p>
@@ -1008,7 +1015,7 @@
           <a:p>
             <a:fld id="{06A342B4-5107-1440-9EBB-18D3F78A4D7E}" type="datetimeFigureOut">
               <a:rPr lang="en-US" smtClean="0"/>
-              <a:t>1/15/17</a:t>
+              <a:t>1/16/17</a:t>
             </a:fld>
             <a:endParaRPr lang="en-US"/>
           </a:p>
@@ -1240,7 +1247,7 @@
           <a:p>
             <a:fld id="{06A342B4-5107-1440-9EBB-18D3F78A4D7E}" type="datetimeFigureOut">
               <a:rPr lang="en-US" smtClean="0"/>
-              <a:t>1/15/17</a:t>
+              <a:t>1/16/17</a:t>
             </a:fld>
             <a:endParaRPr lang="en-US"/>
           </a:p>
@@ -1607,7 +1614,7 @@
           <a:p>
             <a:fld id="{06A342B4-5107-1440-9EBB-18D3F78A4D7E}" type="datetimeFigureOut">
               <a:rPr lang="en-US" smtClean="0"/>
-              <a:t>1/15/17</a:t>
+              <a:t>1/16/17</a:t>
             </a:fld>
             <a:endParaRPr lang="en-US"/>
           </a:p>
@@ -1725,7 +1732,7 @@
           <a:p>
             <a:fld id="{06A342B4-5107-1440-9EBB-18D3F78A4D7E}" type="datetimeFigureOut">
               <a:rPr lang="en-US" smtClean="0"/>
-              <a:t>1/15/17</a:t>
+              <a:t>1/16/17</a:t>
             </a:fld>
             <a:endParaRPr lang="en-US"/>
           </a:p>
@@ -1820,7 +1827,7 @@
           <a:p>
             <a:fld id="{06A342B4-5107-1440-9EBB-18D3F78A4D7E}" type="datetimeFigureOut">
               <a:rPr lang="en-US" smtClean="0"/>
-              <a:t>1/15/17</a:t>
+              <a:t>1/16/17</a:t>
             </a:fld>
             <a:endParaRPr lang="en-US"/>
           </a:p>
@@ -2097,7 +2104,7 @@
           <a:p>
             <a:fld id="{06A342B4-5107-1440-9EBB-18D3F78A4D7E}" type="datetimeFigureOut">
               <a:rPr lang="en-US" smtClean="0"/>
-              <a:t>1/15/17</a:t>
+              <a:t>1/16/17</a:t>
             </a:fld>
             <a:endParaRPr lang="en-US"/>
           </a:p>
@@ -2350,7 +2357,7 @@
           <a:p>
             <a:fld id="{06A342B4-5107-1440-9EBB-18D3F78A4D7E}" type="datetimeFigureOut">
               <a:rPr lang="en-US" smtClean="0"/>
-              <a:t>1/15/17</a:t>
+              <a:t>1/16/17</a:t>
             </a:fld>
             <a:endParaRPr lang="en-US"/>
           </a:p>
@@ -2563,7 +2570,7 @@
           <a:p>
             <a:fld id="{06A342B4-5107-1440-9EBB-18D3F78A4D7E}" type="datetimeFigureOut">
               <a:rPr lang="en-US" smtClean="0"/>
-              <a:t>1/15/17</a:t>
+              <a:t>1/16/17</a:t>
             </a:fld>
             <a:endParaRPr lang="en-US"/>
           </a:p>
@@ -3177,6 +3184,13 @@
   <p:clrMapOvr>
     <a:masterClrMapping/>
   </p:clrMapOvr>
+  <p:timing>
+    <p:tnLst>
+      <p:par>
+        <p:cTn id="1" dur="indefinite" restart="never" nodeType="tmRoot"/>
+      </p:par>
+    </p:tnLst>
+  </p:timing>
 </p:sld>
 </file>
 
@@ -3316,6 +3330,13 @@
   <p:clrMapOvr>
     <a:masterClrMapping/>
   </p:clrMapOvr>
+  <p:timing>
+    <p:tnLst>
+      <p:par>
+        <p:cTn id="1" dur="indefinite" restart="never" nodeType="tmRoot"/>
+      </p:par>
+    </p:tnLst>
+  </p:timing>
 </p:sld>
 </file>
 
@@ -3400,6 +3421,13 @@
   <p:clrMapOvr>
     <a:masterClrMapping/>
   </p:clrMapOvr>
+  <p:timing>
+    <p:tnLst>
+      <p:par>
+        <p:cTn id="1" dur="indefinite" restart="never" nodeType="tmRoot"/>
+      </p:par>
+    </p:tnLst>
+  </p:timing>
 </p:sld>
 </file>
 
@@ -3436,6 +3464,707 @@
           <a:lstStyle/>
           <a:p>
             <a:r>
+              <a:rPr lang="zh-CN" altLang="en-US" dirty="0" smtClean="0"/>
+              <a:t>例子</a:t>
+            </a:r>
+            <a:endParaRPr lang="en-US" dirty="0"/>
+          </a:p>
+        </p:txBody>
+      </p:sp>
+      <p:pic>
+        <p:nvPicPr>
+          <p:cNvPr id="4" name="Content Placeholder 3"/>
+          <p:cNvPicPr>
+            <a:picLocks noGrp="1" noChangeAspect="1"/>
+          </p:cNvPicPr>
+          <p:nvPr>
+            <p:ph idx="1"/>
+          </p:nvPr>
+        </p:nvPicPr>
+        <p:blipFill>
+          <a:blip r:embed="rId2">
+            <a:extLst>
+              <a:ext uri="{28A0092B-C50C-407E-A947-70E740481C1C}">
+                <a14:useLocalDpi xmlns:a14="http://schemas.microsoft.com/office/drawing/2010/main" val="0"/>
+              </a:ext>
+            </a:extLst>
+          </a:blip>
+          <a:stretch>
+            <a:fillRect/>
+          </a:stretch>
+        </p:blipFill>
+        <p:spPr>
+          <a:xfrm>
+            <a:off x="1173349" y="1584363"/>
+            <a:ext cx="9356203" cy="4351338"/>
+          </a:xfrm>
+        </p:spPr>
+      </p:pic>
+      <p:pic>
+        <p:nvPicPr>
+          <p:cNvPr id="5" name="Picture 4"/>
+          <p:cNvPicPr>
+            <a:picLocks noChangeAspect="1"/>
+          </p:cNvPicPr>
+          <p:nvPr/>
+        </p:nvPicPr>
+        <p:blipFill>
+          <a:blip r:embed="rId3">
+            <a:extLst>
+              <a:ext uri="{28A0092B-C50C-407E-A947-70E740481C1C}">
+                <a14:useLocalDpi xmlns:a14="http://schemas.microsoft.com/office/drawing/2010/main" val="0"/>
+              </a:ext>
+            </a:extLst>
+          </a:blip>
+          <a:stretch>
+            <a:fillRect/>
+          </a:stretch>
+        </p:blipFill>
+        <p:spPr>
+          <a:xfrm>
+            <a:off x="157163" y="1967879"/>
+            <a:ext cx="12192000" cy="3584305"/>
+          </a:xfrm>
+          <a:prstGeom prst="rect">
+            <a:avLst/>
+          </a:prstGeom>
+        </p:spPr>
+      </p:pic>
+      <p:pic>
+        <p:nvPicPr>
+          <p:cNvPr id="6" name="Picture 5"/>
+          <p:cNvPicPr>
+            <a:picLocks noChangeAspect="1"/>
+          </p:cNvPicPr>
+          <p:nvPr/>
+        </p:nvPicPr>
+        <p:blipFill>
+          <a:blip r:embed="rId4">
+            <a:extLst>
+              <a:ext uri="{28A0092B-C50C-407E-A947-70E740481C1C}">
+                <a14:useLocalDpi xmlns:a14="http://schemas.microsoft.com/office/drawing/2010/main" val="0"/>
+              </a:ext>
+            </a:extLst>
+          </a:blip>
+          <a:stretch>
+            <a:fillRect/>
+          </a:stretch>
+        </p:blipFill>
+        <p:spPr>
+          <a:xfrm>
+            <a:off x="63500" y="2171700"/>
+            <a:ext cx="12065000" cy="2501900"/>
+          </a:xfrm>
+          <a:prstGeom prst="rect">
+            <a:avLst/>
+          </a:prstGeom>
+        </p:spPr>
+      </p:pic>
+    </p:spTree>
+    <p:extLst>
+      <p:ext uri="{BB962C8B-B14F-4D97-AF65-F5344CB8AC3E}">
+        <p14:creationId xmlns:p14="http://schemas.microsoft.com/office/powerpoint/2010/main" val="2054190206"/>
+      </p:ext>
+    </p:extLst>
+  </p:cSld>
+  <p:clrMapOvr>
+    <a:masterClrMapping/>
+  </p:clrMapOvr>
+  <p:timing>
+    <p:tnLst>
+      <p:par>
+        <p:cTn id="1" dur="indefinite" restart="never" nodeType="tmRoot">
+          <p:childTnLst>
+            <p:seq concurrent="1" nextAc="seek">
+              <p:cTn id="2" dur="indefinite" nodeType="mainSeq">
+                <p:childTnLst>
+                  <p:par>
+                    <p:cTn id="3" fill="hold">
+                      <p:stCondLst>
+                        <p:cond delay="indefinite"/>
+                      </p:stCondLst>
+                      <p:childTnLst>
+                        <p:par>
+                          <p:cTn id="4" fill="hold">
+                            <p:stCondLst>
+                              <p:cond delay="0"/>
+                            </p:stCondLst>
+                            <p:childTnLst>
+                              <p:par>
+                                <p:cTn id="5" presetID="2" presetClass="entr" presetSubtype="4" fill="hold" nodeType="clickEffect">
+                                  <p:stCondLst>
+                                    <p:cond delay="0"/>
+                                  </p:stCondLst>
+                                  <p:childTnLst>
+                                    <p:set>
+                                      <p:cBhvr>
+                                        <p:cTn id="6" dur="1" fill="hold">
+                                          <p:stCondLst>
+                                            <p:cond delay="0"/>
+                                          </p:stCondLst>
+                                        </p:cTn>
+                                        <p:tgtEl>
+                                          <p:spTgt spid="4"/>
+                                        </p:tgtEl>
+                                        <p:attrNameLst>
+                                          <p:attrName>style.visibility</p:attrName>
+                                        </p:attrNameLst>
+                                      </p:cBhvr>
+                                      <p:to>
+                                        <p:strVal val="visible"/>
+                                      </p:to>
+                                    </p:set>
+                                    <p:anim calcmode="lin" valueType="num">
+                                      <p:cBhvr additive="base">
+                                        <p:cTn id="7" dur="500" fill="hold"/>
+                                        <p:tgtEl>
+                                          <p:spTgt spid="4"/>
+                                        </p:tgtEl>
+                                        <p:attrNameLst>
+                                          <p:attrName>ppt_x</p:attrName>
+                                        </p:attrNameLst>
+                                      </p:cBhvr>
+                                      <p:tavLst>
+                                        <p:tav tm="0">
+                                          <p:val>
+                                            <p:strVal val="#ppt_x"/>
+                                          </p:val>
+                                        </p:tav>
+                                        <p:tav tm="100000">
+                                          <p:val>
+                                            <p:strVal val="#ppt_x"/>
+                                          </p:val>
+                                        </p:tav>
+                                      </p:tavLst>
+                                    </p:anim>
+                                    <p:anim calcmode="lin" valueType="num">
+                                      <p:cBhvr additive="base">
+                                        <p:cTn id="8" dur="500" fill="hold"/>
+                                        <p:tgtEl>
+                                          <p:spTgt spid="4"/>
+                                        </p:tgtEl>
+                                        <p:attrNameLst>
+                                          <p:attrName>ppt_y</p:attrName>
+                                        </p:attrNameLst>
+                                      </p:cBhvr>
+                                      <p:tavLst>
+                                        <p:tav tm="0">
+                                          <p:val>
+                                            <p:strVal val="1+#ppt_h/2"/>
+                                          </p:val>
+                                        </p:tav>
+                                        <p:tav tm="100000">
+                                          <p:val>
+                                            <p:strVal val="#ppt_y"/>
+                                          </p:val>
+                                        </p:tav>
+                                      </p:tavLst>
+                                    </p:anim>
+                                  </p:childTnLst>
+                                </p:cTn>
+                              </p:par>
+                            </p:childTnLst>
+                          </p:cTn>
+                        </p:par>
+                      </p:childTnLst>
+                    </p:cTn>
+                  </p:par>
+                  <p:par>
+                    <p:cTn id="9" fill="hold">
+                      <p:stCondLst>
+                        <p:cond delay="indefinite"/>
+                      </p:stCondLst>
+                      <p:childTnLst>
+                        <p:par>
+                          <p:cTn id="10" fill="hold">
+                            <p:stCondLst>
+                              <p:cond delay="0"/>
+                            </p:stCondLst>
+                            <p:childTnLst>
+                              <p:par>
+                                <p:cTn id="11" presetID="9" presetClass="emph" presetSubtype="0" nodeType="clickEffect">
+                                  <p:stCondLst>
+                                    <p:cond delay="0"/>
+                                  </p:stCondLst>
+                                  <p:childTnLst>
+                                    <p:set>
+                                      <p:cBhvr rctx="PPT">
+                                        <p:cTn id="12" dur="indefinite"/>
+                                        <p:tgtEl>
+                                          <p:spTgt spid="4"/>
+                                        </p:tgtEl>
+                                        <p:attrNameLst>
+                                          <p:attrName>style.opacity</p:attrName>
+                                        </p:attrNameLst>
+                                      </p:cBhvr>
+                                      <p:to>
+                                        <p:strVal val="0.5"/>
+                                      </p:to>
+                                    </p:set>
+                                    <p:animEffect filter="image" prLst="opacity: 0.5">
+                                      <p:cBhvr rctx="IE">
+                                        <p:cTn id="13" dur="indefinite"/>
+                                        <p:tgtEl>
+                                          <p:spTgt spid="4"/>
+                                        </p:tgtEl>
+                                      </p:cBhvr>
+                                    </p:animEffect>
+                                  </p:childTnLst>
+                                </p:cTn>
+                              </p:par>
+                            </p:childTnLst>
+                          </p:cTn>
+                        </p:par>
+                      </p:childTnLst>
+                    </p:cTn>
+                  </p:par>
+                  <p:par>
+                    <p:cTn id="14" fill="hold">
+                      <p:stCondLst>
+                        <p:cond delay="indefinite"/>
+                      </p:stCondLst>
+                      <p:childTnLst>
+                        <p:par>
+                          <p:cTn id="15" fill="hold">
+                            <p:stCondLst>
+                              <p:cond delay="0"/>
+                            </p:stCondLst>
+                            <p:childTnLst>
+                              <p:par>
+                                <p:cTn id="16" presetID="2" presetClass="entr" presetSubtype="4" fill="hold" nodeType="clickEffect">
+                                  <p:stCondLst>
+                                    <p:cond delay="0"/>
+                                  </p:stCondLst>
+                                  <p:childTnLst>
+                                    <p:set>
+                                      <p:cBhvr>
+                                        <p:cTn id="17" dur="1" fill="hold">
+                                          <p:stCondLst>
+                                            <p:cond delay="0"/>
+                                          </p:stCondLst>
+                                        </p:cTn>
+                                        <p:tgtEl>
+                                          <p:spTgt spid="5"/>
+                                        </p:tgtEl>
+                                        <p:attrNameLst>
+                                          <p:attrName>style.visibility</p:attrName>
+                                        </p:attrNameLst>
+                                      </p:cBhvr>
+                                      <p:to>
+                                        <p:strVal val="visible"/>
+                                      </p:to>
+                                    </p:set>
+                                    <p:anim calcmode="lin" valueType="num">
+                                      <p:cBhvr additive="base">
+                                        <p:cTn id="18" dur="500" fill="hold"/>
+                                        <p:tgtEl>
+                                          <p:spTgt spid="5"/>
+                                        </p:tgtEl>
+                                        <p:attrNameLst>
+                                          <p:attrName>ppt_x</p:attrName>
+                                        </p:attrNameLst>
+                                      </p:cBhvr>
+                                      <p:tavLst>
+                                        <p:tav tm="0">
+                                          <p:val>
+                                            <p:strVal val="#ppt_x"/>
+                                          </p:val>
+                                        </p:tav>
+                                        <p:tav tm="100000">
+                                          <p:val>
+                                            <p:strVal val="#ppt_x"/>
+                                          </p:val>
+                                        </p:tav>
+                                      </p:tavLst>
+                                    </p:anim>
+                                    <p:anim calcmode="lin" valueType="num">
+                                      <p:cBhvr additive="base">
+                                        <p:cTn id="19" dur="500" fill="hold"/>
+                                        <p:tgtEl>
+                                          <p:spTgt spid="5"/>
+                                        </p:tgtEl>
+                                        <p:attrNameLst>
+                                          <p:attrName>ppt_y</p:attrName>
+                                        </p:attrNameLst>
+                                      </p:cBhvr>
+                                      <p:tavLst>
+                                        <p:tav tm="0">
+                                          <p:val>
+                                            <p:strVal val="1+#ppt_h/2"/>
+                                          </p:val>
+                                        </p:tav>
+                                        <p:tav tm="100000">
+                                          <p:val>
+                                            <p:strVal val="#ppt_y"/>
+                                          </p:val>
+                                        </p:tav>
+                                      </p:tavLst>
+                                    </p:anim>
+                                  </p:childTnLst>
+                                </p:cTn>
+                              </p:par>
+                            </p:childTnLst>
+                          </p:cTn>
+                        </p:par>
+                      </p:childTnLst>
+                    </p:cTn>
+                  </p:par>
+                  <p:par>
+                    <p:cTn id="20" fill="hold">
+                      <p:stCondLst>
+                        <p:cond delay="indefinite"/>
+                      </p:stCondLst>
+                      <p:childTnLst>
+                        <p:par>
+                          <p:cTn id="21" fill="hold">
+                            <p:stCondLst>
+                              <p:cond delay="0"/>
+                            </p:stCondLst>
+                            <p:childTnLst>
+                              <p:par>
+                                <p:cTn id="22" presetID="9" presetClass="emph" presetSubtype="0" nodeType="clickEffect">
+                                  <p:stCondLst>
+                                    <p:cond delay="0"/>
+                                  </p:stCondLst>
+                                  <p:childTnLst>
+                                    <p:set>
+                                      <p:cBhvr rctx="PPT">
+                                        <p:cTn id="23" dur="indefinite"/>
+                                        <p:tgtEl>
+                                          <p:spTgt spid="5"/>
+                                        </p:tgtEl>
+                                        <p:attrNameLst>
+                                          <p:attrName>style.opacity</p:attrName>
+                                        </p:attrNameLst>
+                                      </p:cBhvr>
+                                      <p:to>
+                                        <p:strVal val="0.5"/>
+                                      </p:to>
+                                    </p:set>
+                                    <p:animEffect filter="image" prLst="opacity: 0.5">
+                                      <p:cBhvr rctx="IE">
+                                        <p:cTn id="24" dur="indefinite"/>
+                                        <p:tgtEl>
+                                          <p:spTgt spid="5"/>
+                                        </p:tgtEl>
+                                      </p:cBhvr>
+                                    </p:animEffect>
+                                  </p:childTnLst>
+                                </p:cTn>
+                              </p:par>
+                            </p:childTnLst>
+                          </p:cTn>
+                        </p:par>
+                      </p:childTnLst>
+                    </p:cTn>
+                  </p:par>
+                  <p:par>
+                    <p:cTn id="25" fill="hold">
+                      <p:stCondLst>
+                        <p:cond delay="indefinite"/>
+                      </p:stCondLst>
+                      <p:childTnLst>
+                        <p:par>
+                          <p:cTn id="26" fill="hold">
+                            <p:stCondLst>
+                              <p:cond delay="0"/>
+                            </p:stCondLst>
+                            <p:childTnLst>
+                              <p:par>
+                                <p:cTn id="27" presetID="2" presetClass="entr" presetSubtype="4" fill="hold" nodeType="clickEffect">
+                                  <p:stCondLst>
+                                    <p:cond delay="0"/>
+                                  </p:stCondLst>
+                                  <p:childTnLst>
+                                    <p:set>
+                                      <p:cBhvr>
+                                        <p:cTn id="28" dur="1" fill="hold">
+                                          <p:stCondLst>
+                                            <p:cond delay="0"/>
+                                          </p:stCondLst>
+                                        </p:cTn>
+                                        <p:tgtEl>
+                                          <p:spTgt spid="6"/>
+                                        </p:tgtEl>
+                                        <p:attrNameLst>
+                                          <p:attrName>style.visibility</p:attrName>
+                                        </p:attrNameLst>
+                                      </p:cBhvr>
+                                      <p:to>
+                                        <p:strVal val="visible"/>
+                                      </p:to>
+                                    </p:set>
+                                    <p:anim calcmode="lin" valueType="num">
+                                      <p:cBhvr additive="base">
+                                        <p:cTn id="29" dur="500" fill="hold"/>
+                                        <p:tgtEl>
+                                          <p:spTgt spid="6"/>
+                                        </p:tgtEl>
+                                        <p:attrNameLst>
+                                          <p:attrName>ppt_x</p:attrName>
+                                        </p:attrNameLst>
+                                      </p:cBhvr>
+                                      <p:tavLst>
+                                        <p:tav tm="0">
+                                          <p:val>
+                                            <p:strVal val="#ppt_x"/>
+                                          </p:val>
+                                        </p:tav>
+                                        <p:tav tm="100000">
+                                          <p:val>
+                                            <p:strVal val="#ppt_x"/>
+                                          </p:val>
+                                        </p:tav>
+                                      </p:tavLst>
+                                    </p:anim>
+                                    <p:anim calcmode="lin" valueType="num">
+                                      <p:cBhvr additive="base">
+                                        <p:cTn id="30" dur="500" fill="hold"/>
+                                        <p:tgtEl>
+                                          <p:spTgt spid="6"/>
+                                        </p:tgtEl>
+                                        <p:attrNameLst>
+                                          <p:attrName>ppt_y</p:attrName>
+                                        </p:attrNameLst>
+                                      </p:cBhvr>
+                                      <p:tavLst>
+                                        <p:tav tm="0">
+                                          <p:val>
+                                            <p:strVal val="1+#ppt_h/2"/>
+                                          </p:val>
+                                        </p:tav>
+                                        <p:tav tm="100000">
+                                          <p:val>
+                                            <p:strVal val="#ppt_y"/>
+                                          </p:val>
+                                        </p:tav>
+                                      </p:tavLst>
+                                    </p:anim>
+                                  </p:childTnLst>
+                                </p:cTn>
+                              </p:par>
+                            </p:childTnLst>
+                          </p:cTn>
+                        </p:par>
+                      </p:childTnLst>
+                    </p:cTn>
+                  </p:par>
+                </p:childTnLst>
+              </p:cTn>
+              <p:prevCondLst>
+                <p:cond evt="onPrev" delay="0">
+                  <p:tgtEl>
+                    <p:sldTgt/>
+                  </p:tgtEl>
+                </p:cond>
+              </p:prevCondLst>
+              <p:nextCondLst>
+                <p:cond evt="onNext" delay="0">
+                  <p:tgtEl>
+                    <p:sldTgt/>
+                  </p:tgtEl>
+                </p:cond>
+              </p:nextCondLst>
+            </p:seq>
+          </p:childTnLst>
+        </p:cTn>
+      </p:par>
+    </p:tnLst>
+  </p:timing>
+</p:sld>
+</file>
+
+<file path=ppt/slides/slide6.xml><?xml version="1.0" encoding="utf-8"?>
+<p:sld xmlns:a="http://schemas.openxmlformats.org/drawingml/2006/main" xmlns:r="http://schemas.openxmlformats.org/officeDocument/2006/relationships" xmlns:p="http://schemas.openxmlformats.org/presentationml/2006/main">
+  <p:cSld>
+    <p:spTree>
+      <p:nvGrpSpPr>
+        <p:cNvPr id="1" name=""/>
+        <p:cNvGrpSpPr/>
+        <p:nvPr/>
+      </p:nvGrpSpPr>
+      <p:grpSpPr>
+        <a:xfrm>
+          <a:off x="0" y="0"/>
+          <a:ext cx="0" cy="0"/>
+          <a:chOff x="0" y="0"/>
+          <a:chExt cx="0" cy="0"/>
+        </a:xfrm>
+      </p:grpSpPr>
+      <p:sp>
+        <p:nvSpPr>
+          <p:cNvPr id="2" name="Title 1"/>
+          <p:cNvSpPr>
+            <a:spLocks noGrp="1"/>
+          </p:cNvSpPr>
+          <p:nvPr>
+            <p:ph type="title"/>
+          </p:nvPr>
+        </p:nvSpPr>
+        <p:spPr/>
+        <p:txBody>
+          <a:bodyPr/>
+          <a:lstStyle/>
+          <a:p>
+            <a:r>
+              <a:rPr lang="zh-CN" altLang="en-US" dirty="0" smtClean="0"/>
+              <a:t>例子</a:t>
+            </a:r>
+            <a:endParaRPr lang="en-US" dirty="0"/>
+          </a:p>
+        </p:txBody>
+      </p:sp>
+      <p:sp>
+        <p:nvSpPr>
+          <p:cNvPr id="7" name="Content Placeholder 6"/>
+          <p:cNvSpPr>
+            <a:spLocks noGrp="1"/>
+          </p:cNvSpPr>
+          <p:nvPr>
+            <p:ph idx="1"/>
+          </p:nvPr>
+        </p:nvSpPr>
+        <p:spPr/>
+        <p:txBody>
+          <a:bodyPr/>
+          <a:lstStyle/>
+          <a:p>
+            <a:r>
+              <a:rPr lang="en-US" dirty="0"/>
+              <a:t>p</a:t>
+            </a:r>
+            <a:r>
+              <a:rPr lang="en-US" dirty="0" smtClean="0"/>
+              <a:t>41</a:t>
+            </a:r>
+            <a:r>
+              <a:rPr lang="zh-CN" altLang="en-US" dirty="0" smtClean="0"/>
+              <a:t>经历了以下路径查找</a:t>
+            </a:r>
+            <a:endParaRPr lang="en-US" dirty="0" smtClean="0"/>
+          </a:p>
+          <a:p>
+            <a:pPr lvl="1"/>
+            <a:r>
+              <a:rPr lang="en-US" dirty="0" smtClean="0"/>
+              <a:t>p1/p2/p3/vendor/p41</a:t>
+            </a:r>
+          </a:p>
+          <a:p>
+            <a:pPr lvl="1"/>
+            <a:r>
+              <a:rPr lang="en-US" dirty="0"/>
+              <a:t>p</a:t>
+            </a:r>
+            <a:r>
+              <a:rPr lang="en-US" dirty="0" smtClean="0"/>
+              <a:t>1/p2/vendor/p41</a:t>
+            </a:r>
+          </a:p>
+          <a:p>
+            <a:pPr lvl="1"/>
+            <a:r>
+              <a:rPr lang="en-US" dirty="0" smtClean="0"/>
+              <a:t>p1/vendor/p41</a:t>
+            </a:r>
+          </a:p>
+          <a:p>
+            <a:pPr lvl="1"/>
+            <a:r>
+              <a:rPr lang="en-US" dirty="0"/>
+              <a:t>v</a:t>
+            </a:r>
+            <a:r>
+              <a:rPr lang="en-US" dirty="0" smtClean="0"/>
+              <a:t>endor/p41</a:t>
+            </a:r>
+            <a:endParaRPr lang="en-US" dirty="0"/>
+          </a:p>
+        </p:txBody>
+      </p:sp>
+      <p:pic>
+        <p:nvPicPr>
+          <p:cNvPr id="8" name="Content Placeholder 5"/>
+          <p:cNvPicPr>
+            <a:picLocks noChangeAspect="1"/>
+          </p:cNvPicPr>
+          <p:nvPr/>
+        </p:nvPicPr>
+        <p:blipFill>
+          <a:blip r:embed="rId2">
+            <a:extLst>
+              <a:ext uri="{28A0092B-C50C-407E-A947-70E740481C1C}">
+                <a14:useLocalDpi xmlns:a14="http://schemas.microsoft.com/office/drawing/2010/main" val="0"/>
+              </a:ext>
+            </a:extLst>
+          </a:blip>
+          <a:stretch>
+            <a:fillRect/>
+          </a:stretch>
+        </p:blipFill>
+        <p:spPr>
+          <a:xfrm>
+            <a:off x="8349006" y="1825625"/>
+            <a:ext cx="2780611" cy="4351338"/>
+          </a:xfrm>
+          <a:prstGeom prst="rect">
+            <a:avLst/>
+          </a:prstGeom>
+        </p:spPr>
+      </p:pic>
+    </p:spTree>
+    <p:extLst>
+      <p:ext uri="{BB962C8B-B14F-4D97-AF65-F5344CB8AC3E}">
+        <p14:creationId xmlns:p14="http://schemas.microsoft.com/office/powerpoint/2010/main" val="1305286962"/>
+      </p:ext>
+    </p:extLst>
+  </p:cSld>
+  <p:clrMapOvr>
+    <a:masterClrMapping/>
+  </p:clrMapOvr>
+  <p:timing>
+    <p:tnLst>
+      <p:par>
+        <p:cTn id="1" dur="indefinite" restart="never" nodeType="tmRoot"/>
+      </p:par>
+    </p:tnLst>
+  </p:timing>
+</p:sld>
+</file>
+
+<file path=ppt/slides/slide7.xml><?xml version="1.0" encoding="utf-8"?>
+<p:sld xmlns:a="http://schemas.openxmlformats.org/drawingml/2006/main" xmlns:r="http://schemas.openxmlformats.org/officeDocument/2006/relationships" xmlns:p="http://schemas.openxmlformats.org/presentationml/2006/main">
+  <p:cSld>
+    <p:spTree>
+      <p:nvGrpSpPr>
+        <p:cNvPr id="1" name=""/>
+        <p:cNvGrpSpPr/>
+        <p:nvPr/>
+      </p:nvGrpSpPr>
+      <p:grpSpPr>
+        <a:xfrm>
+          <a:off x="0" y="0"/>
+          <a:ext cx="0" cy="0"/>
+          <a:chOff x="0" y="0"/>
+          <a:chExt cx="0" cy="0"/>
+        </a:xfrm>
+      </p:grpSpPr>
+      <p:sp>
+        <p:nvSpPr>
+          <p:cNvPr id="2" name="Title 1"/>
+          <p:cNvSpPr>
+            <a:spLocks noGrp="1"/>
+          </p:cNvSpPr>
+          <p:nvPr>
+            <p:ph type="title"/>
+          </p:nvPr>
+        </p:nvSpPr>
+        <p:spPr/>
+        <p:txBody>
+          <a:bodyPr/>
+          <a:lstStyle/>
+          <a:p>
+            <a:r>
               <a:rPr lang="en-US" dirty="0" smtClean="0"/>
               <a:t>Vendor</a:t>
             </a:r>
@@ -3526,9 +4255,42 @@
           <a:p>
             <a:r>
               <a:rPr lang="zh-CN" altLang="en-US" dirty="0" smtClean="0"/>
-              <a:t>只往上找</a:t>
-            </a:r>
-            <a:endParaRPr lang="en-US" altLang="zh-CN" dirty="0"/>
+              <a:t>只往上</a:t>
+            </a:r>
+            <a:r>
+              <a:rPr lang="zh-CN" altLang="en-US" dirty="0" smtClean="0"/>
+              <a:t>找</a:t>
+            </a:r>
+            <a:endParaRPr lang="en-US" altLang="zh-CN" dirty="0" smtClean="0"/>
+          </a:p>
+          <a:p>
+            <a:pPr lvl="1"/>
+            <a:r>
+              <a:rPr lang="en-US" dirty="0"/>
+              <a:t>p1/p2/p3/vendor/p41</a:t>
+            </a:r>
+          </a:p>
+          <a:p>
+            <a:pPr lvl="1"/>
+            <a:r>
+              <a:rPr lang="en-US" dirty="0"/>
+              <a:t>p1/p2/vendor/p41</a:t>
+            </a:r>
+          </a:p>
+          <a:p>
+            <a:pPr lvl="1"/>
+            <a:r>
+              <a:rPr lang="en-US" dirty="0"/>
+              <a:t>p1/vendor/p41</a:t>
+            </a:r>
+          </a:p>
+          <a:p>
+            <a:pPr lvl="1"/>
+            <a:r>
+              <a:rPr lang="en-US" dirty="0" smtClean="0"/>
+              <a:t>vendor/p41</a:t>
+            </a:r>
+            <a:endParaRPr lang="en-US" dirty="0"/>
           </a:p>
         </p:txBody>
       </p:sp>
@@ -3542,6 +4304,13 @@
   <p:clrMapOvr>
     <a:masterClrMapping/>
   </p:clrMapOvr>
+  <p:timing>
+    <p:tnLst>
+      <p:par>
+        <p:cTn id="1" dur="indefinite" restart="never" nodeType="tmRoot"/>
+      </p:par>
+    </p:tnLst>
+  </p:timing>
 </p:sld>
 </file>
 
